--- a/docs/Day 2 - React.pptx
+++ b/docs/Day 2 - React.pptx
@@ -6301,11 +6301,7 @@
           <a:pPr rtl="0"/>
           <a:r>
             <a:rPr lang="en-US" dirty="0" smtClean="0"/>
-            <a:t>Allows creating composite web pages – Web </a:t>
-          </a:r>
-          <a:r>
-            <a:rPr lang="en-US" dirty="0" smtClean="0"/>
-            <a:t>Components</a:t>
+            <a:t>Allows creating composite web pages – Web Components</a:t>
           </a:r>
           <a:endParaRPr lang="en-US" dirty="0"/>
         </a:p>
@@ -6523,17 +6519,17 @@
     </dgm:pt>
   </dgm:ptLst>
   <dgm:cxnLst>
+    <dgm:cxn modelId="{8D133B8E-06A3-4BC9-9A83-B7BA8CA6AEBF}" srcId="{FC274816-65BD-47A2-A25B-8697937B2AD7}" destId="{46A0CBEE-9508-4653-9057-83C4F9B40FEF}" srcOrd="3" destOrd="0" parTransId="{896F2EA7-4B8F-47B3-815D-025366FE4336}" sibTransId="{2B219740-A5F3-4D75-AE24-8B4B194AF834}"/>
+    <dgm:cxn modelId="{1EB0D28A-6A7C-40D3-87C9-080C8FFB41A5}" type="presOf" srcId="{1A382FDD-5598-4CEC-A749-22FA1AF3421C}" destId="{7C28A8C2-4274-43FF-B9CC-A39D52C7BA6F}" srcOrd="0" destOrd="0" presId="urn:microsoft.com/office/officeart/2005/8/layout/vList2"/>
+    <dgm:cxn modelId="{1ADA10EF-59EF-423F-8B40-4613AAAA320D}" type="presOf" srcId="{FC274816-65BD-47A2-A25B-8697937B2AD7}" destId="{B749F905-B0BC-4DF5-AF4D-C984BCDB719C}" srcOrd="0" destOrd="0" presId="urn:microsoft.com/office/officeart/2005/8/layout/vList2"/>
+    <dgm:cxn modelId="{72C05417-9352-42F2-998C-9B660D928B95}" type="presOf" srcId="{D8D6C5AC-1DA5-4C06-A0CC-1AEBFB08A5B3}" destId="{45BA92F0-EA2D-4945-B781-A853A3FB9EE9}" srcOrd="0" destOrd="0" presId="urn:microsoft.com/office/officeart/2005/8/layout/vList2"/>
+    <dgm:cxn modelId="{8674B92F-A3E5-4325-9341-7913BA80A091}" srcId="{FC274816-65BD-47A2-A25B-8697937B2AD7}" destId="{1A382FDD-5598-4CEC-A749-22FA1AF3421C}" srcOrd="0" destOrd="0" parTransId="{9726F4E8-1456-487A-8A04-2A6F21C6EF8F}" sibTransId="{B82CCB52-66C5-4796-B298-3B217F3D7E8B}"/>
+    <dgm:cxn modelId="{636F3758-5727-481E-BEEF-5110BA590588}" srcId="{FC274816-65BD-47A2-A25B-8697937B2AD7}" destId="{9010DA5B-B11C-45E3-889F-C5A1DBDAC4F4}" srcOrd="1" destOrd="0" parTransId="{74D40FA4-5033-4060-A212-200128E3A73A}" sibTransId="{9A5460FC-407D-4A48-A8F6-89F205B1164A}"/>
     <dgm:cxn modelId="{CBB10021-E0D2-4D30-8DCD-F6DF3DD47034}" srcId="{FC274816-65BD-47A2-A25B-8697937B2AD7}" destId="{D8D6C5AC-1DA5-4C06-A0CC-1AEBFB08A5B3}" srcOrd="2" destOrd="0" parTransId="{BD33E236-8010-44B6-BFCE-1FDCD0250CA1}" sibTransId="{9E506C1C-094B-4EAE-9E12-0458F0F77398}"/>
+    <dgm:cxn modelId="{0AB40502-9325-45B1-B40D-B0ED17E38BAF}" type="presOf" srcId="{46A0CBEE-9508-4653-9057-83C4F9B40FEF}" destId="{C3077C1D-E40C-4F23-B9F4-F5F7DCF33D34}" srcOrd="0" destOrd="0" presId="urn:microsoft.com/office/officeart/2005/8/layout/vList2"/>
+    <dgm:cxn modelId="{4E0E5805-C3AE-49B2-A2C8-BDA486EDE058}" type="presOf" srcId="{9010DA5B-B11C-45E3-889F-C5A1DBDAC4F4}" destId="{66349103-2F22-4071-B3DB-A728A4AB40C9}" srcOrd="0" destOrd="0" presId="urn:microsoft.com/office/officeart/2005/8/layout/vList2"/>
+    <dgm:cxn modelId="{5B293640-A9DB-471C-8513-73DAFA0C8FD8}" srcId="{FC274816-65BD-47A2-A25B-8697937B2AD7}" destId="{D6C12E4A-47FA-4F1B-B10B-B39C3EEFF521}" srcOrd="4" destOrd="0" parTransId="{DE447A7F-E69F-40D4-9385-E4E243A59CA4}" sibTransId="{826D49C1-C21D-4F82-BAEB-7AC7E67F1565}"/>
     <dgm:cxn modelId="{EB3B3CAC-9F70-426D-9746-81C5579640B4}" type="presOf" srcId="{D6C12E4A-47FA-4F1B-B10B-B39C3EEFF521}" destId="{CD816F83-39DD-4D50-84CD-98BC7E7C121D}" srcOrd="0" destOrd="0" presId="urn:microsoft.com/office/officeart/2005/8/layout/vList2"/>
-    <dgm:cxn modelId="{1ADA10EF-59EF-423F-8B40-4613AAAA320D}" type="presOf" srcId="{FC274816-65BD-47A2-A25B-8697937B2AD7}" destId="{B749F905-B0BC-4DF5-AF4D-C984BCDB719C}" srcOrd="0" destOrd="0" presId="urn:microsoft.com/office/officeart/2005/8/layout/vList2"/>
-    <dgm:cxn modelId="{1EB0D28A-6A7C-40D3-87C9-080C8FFB41A5}" type="presOf" srcId="{1A382FDD-5598-4CEC-A749-22FA1AF3421C}" destId="{7C28A8C2-4274-43FF-B9CC-A39D52C7BA6F}" srcOrd="0" destOrd="0" presId="urn:microsoft.com/office/officeart/2005/8/layout/vList2"/>
-    <dgm:cxn modelId="{636F3758-5727-481E-BEEF-5110BA590588}" srcId="{FC274816-65BD-47A2-A25B-8697937B2AD7}" destId="{9010DA5B-B11C-45E3-889F-C5A1DBDAC4F4}" srcOrd="1" destOrd="0" parTransId="{74D40FA4-5033-4060-A212-200128E3A73A}" sibTransId="{9A5460FC-407D-4A48-A8F6-89F205B1164A}"/>
-    <dgm:cxn modelId="{5B293640-A9DB-471C-8513-73DAFA0C8FD8}" srcId="{FC274816-65BD-47A2-A25B-8697937B2AD7}" destId="{D6C12E4A-47FA-4F1B-B10B-B39C3EEFF521}" srcOrd="4" destOrd="0" parTransId="{DE447A7F-E69F-40D4-9385-E4E243A59CA4}" sibTransId="{826D49C1-C21D-4F82-BAEB-7AC7E67F1565}"/>
-    <dgm:cxn modelId="{4E0E5805-C3AE-49B2-A2C8-BDA486EDE058}" type="presOf" srcId="{9010DA5B-B11C-45E3-889F-C5A1DBDAC4F4}" destId="{66349103-2F22-4071-B3DB-A728A4AB40C9}" srcOrd="0" destOrd="0" presId="urn:microsoft.com/office/officeart/2005/8/layout/vList2"/>
-    <dgm:cxn modelId="{8D133B8E-06A3-4BC9-9A83-B7BA8CA6AEBF}" srcId="{FC274816-65BD-47A2-A25B-8697937B2AD7}" destId="{46A0CBEE-9508-4653-9057-83C4F9B40FEF}" srcOrd="3" destOrd="0" parTransId="{896F2EA7-4B8F-47B3-815D-025366FE4336}" sibTransId="{2B219740-A5F3-4D75-AE24-8B4B194AF834}"/>
-    <dgm:cxn modelId="{8674B92F-A3E5-4325-9341-7913BA80A091}" srcId="{FC274816-65BD-47A2-A25B-8697937B2AD7}" destId="{1A382FDD-5598-4CEC-A749-22FA1AF3421C}" srcOrd="0" destOrd="0" parTransId="{9726F4E8-1456-487A-8A04-2A6F21C6EF8F}" sibTransId="{B82CCB52-66C5-4796-B298-3B217F3D7E8B}"/>
-    <dgm:cxn modelId="{72C05417-9352-42F2-998C-9B660D928B95}" type="presOf" srcId="{D8D6C5AC-1DA5-4C06-A0CC-1AEBFB08A5B3}" destId="{45BA92F0-EA2D-4945-B781-A853A3FB9EE9}" srcOrd="0" destOrd="0" presId="urn:microsoft.com/office/officeart/2005/8/layout/vList2"/>
-    <dgm:cxn modelId="{0AB40502-9325-45B1-B40D-B0ED17E38BAF}" type="presOf" srcId="{46A0CBEE-9508-4653-9057-83C4F9B40FEF}" destId="{C3077C1D-E40C-4F23-B9F4-F5F7DCF33D34}" srcOrd="0" destOrd="0" presId="urn:microsoft.com/office/officeart/2005/8/layout/vList2"/>
     <dgm:cxn modelId="{EA449303-744E-49E0-B21D-E4A1D51E1735}" type="presParOf" srcId="{B749F905-B0BC-4DF5-AF4D-C984BCDB719C}" destId="{7C28A8C2-4274-43FF-B9CC-A39D52C7BA6F}" srcOrd="0" destOrd="0" presId="urn:microsoft.com/office/officeart/2005/8/layout/vList2"/>
     <dgm:cxn modelId="{7A57CB76-3F44-4AAA-A6FE-4E75580E783F}" type="presParOf" srcId="{B749F905-B0BC-4DF5-AF4D-C984BCDB719C}" destId="{0F4EEC4D-422E-4016-970B-92AD45CC1710}" srcOrd="1" destOrd="0" presId="urn:microsoft.com/office/officeart/2005/8/layout/vList2"/>
     <dgm:cxn modelId="{99BDDA34-EAD2-4DBE-8A17-BB383632E5D9}" type="presParOf" srcId="{B749F905-B0BC-4DF5-AF4D-C984BCDB719C}" destId="{66349103-2F22-4071-B3DB-A728A4AB40C9}" srcOrd="2" destOrd="0" presId="urn:microsoft.com/office/officeart/2005/8/layout/vList2"/>
@@ -6642,8 +6638,8 @@
   </dgm:ptLst>
   <dgm:cxnLst>
     <dgm:cxn modelId="{B1A7F716-AC3A-4D91-9660-99AB71395A3F}" srcId="{56941AC6-EA2C-431D-94F6-9353FA1450CA}" destId="{6FDEEA62-FE71-4E77-82AA-2698082C4932}" srcOrd="0" destOrd="0" parTransId="{721A4CF8-4A18-4DDD-8B80-07A8E685605A}" sibTransId="{0289EBA4-424F-4E89-A0AF-FDAFA76755A6}"/>
+    <dgm:cxn modelId="{3E4B64FB-4CCD-41BB-A004-AA3C3247103D}" type="presOf" srcId="{6FDEEA62-FE71-4E77-82AA-2698082C4932}" destId="{49D8894D-0D36-4692-B021-117D1E73DE50}" srcOrd="0" destOrd="0" presId="urn:microsoft.com/office/officeart/2005/8/layout/lProcess3"/>
     <dgm:cxn modelId="{03FB12DF-E695-42EE-868A-2FD250250339}" type="presOf" srcId="{56941AC6-EA2C-431D-94F6-9353FA1450CA}" destId="{44B310B3-17C9-47DA-9BD2-71FD118882DE}" srcOrd="0" destOrd="0" presId="urn:microsoft.com/office/officeart/2005/8/layout/lProcess3"/>
-    <dgm:cxn modelId="{3E4B64FB-4CCD-41BB-A004-AA3C3247103D}" type="presOf" srcId="{6FDEEA62-FE71-4E77-82AA-2698082C4932}" destId="{49D8894D-0D36-4692-B021-117D1E73DE50}" srcOrd="0" destOrd="0" presId="urn:microsoft.com/office/officeart/2005/8/layout/lProcess3"/>
     <dgm:cxn modelId="{C05F7EB9-E5C9-4997-9DF0-AEBB5F11D43D}" type="presParOf" srcId="{44B310B3-17C9-47DA-9BD2-71FD118882DE}" destId="{CCA927FF-53C7-4AE1-8A4E-0EB2036FED28}" srcOrd="0" destOrd="0" presId="urn:microsoft.com/office/officeart/2005/8/layout/lProcess3"/>
     <dgm:cxn modelId="{D3041A12-58B5-4CDF-AA1D-2C47BBDAC419}" type="presParOf" srcId="{CCA927FF-53C7-4AE1-8A4E-0EB2036FED28}" destId="{49D8894D-0D36-4692-B021-117D1E73DE50}" srcOrd="0" destOrd="0" presId="urn:microsoft.com/office/officeart/2005/8/layout/lProcess3"/>
   </dgm:cxnLst>
@@ -6737,19 +6733,7 @@
           <a:pPr rtl="0"/>
           <a:r>
             <a:rPr lang="en-US" dirty="0" smtClean="0"/>
-            <a:t>And verify D</a:t>
-          </a:r>
-          <a:r>
-            <a:rPr lang="en-US" dirty="0" smtClean="0"/>
-            <a:t>:\Projects\JavaReact\my-first-react </a:t>
-          </a:r>
-          <a:r>
-            <a:rPr lang="en-US" dirty="0" smtClean="0"/>
-            <a:t>is created</a:t>
-          </a:r>
-          <a:r>
-            <a:rPr lang="en-US" dirty="0" smtClean="0"/>
-            <a:t>.</a:t>
+            <a:t>And verify D:\Projects\JavaReact\my-first-react is created.</a:t>
           </a:r>
           <a:endParaRPr lang="en-US" dirty="0"/>
         </a:p>
@@ -6815,44 +6799,6 @@
         </a:p>
       </dgm:t>
     </dgm:pt>
-    <dgm:pt modelId="{D6C12E4A-47FA-4F1B-B10B-B39C3EEFF521}">
-      <dgm:prSet/>
-      <dgm:spPr/>
-      <dgm:t>
-        <a:bodyPr/>
-        <a:lstStyle/>
-        <a:p>
-          <a:pPr rtl="0"/>
-          <a:r>
-            <a:rPr lang="en-US" dirty="0" smtClean="0"/>
-            <a:t>Open source, mainly maintained by Facebook – Large community contributing to React Component </a:t>
-          </a:r>
-          <a:endParaRPr lang="en-US" dirty="0"/>
-        </a:p>
-      </dgm:t>
-    </dgm:pt>
-    <dgm:pt modelId="{DE447A7F-E69F-40D4-9385-E4E243A59CA4}" type="parTrans" cxnId="{5B293640-A9DB-471C-8513-73DAFA0C8FD8}">
-      <dgm:prSet/>
-      <dgm:spPr/>
-      <dgm:t>
-        <a:bodyPr/>
-        <a:lstStyle/>
-        <a:p>
-          <a:endParaRPr lang="en-US"/>
-        </a:p>
-      </dgm:t>
-    </dgm:pt>
-    <dgm:pt modelId="{826D49C1-C21D-4F82-BAEB-7AC7E67F1565}" type="sibTrans" cxnId="{5B293640-A9DB-471C-8513-73DAFA0C8FD8}">
-      <dgm:prSet/>
-      <dgm:spPr/>
-      <dgm:t>
-        <a:bodyPr/>
-        <a:lstStyle/>
-        <a:p>
-          <a:endParaRPr lang="en-US"/>
-        </a:p>
-      </dgm:t>
-    </dgm:pt>
     <dgm:pt modelId="{89CA5D9F-085B-4DF4-916B-FB18279439FD}">
       <dgm:prSet/>
       <dgm:spPr/>
@@ -6908,7 +6854,7 @@
       </dgm:t>
     </dgm:pt>
     <dgm:pt modelId="{7C28A8C2-4274-43FF-B9CC-A39D52C7BA6F}" type="pres">
-      <dgm:prSet presAssocID="{1A382FDD-5598-4CEC-A749-22FA1AF3421C}" presName="parentText" presStyleLbl="node1" presStyleIdx="0" presStyleCnt="5">
+      <dgm:prSet presAssocID="{1A382FDD-5598-4CEC-A749-22FA1AF3421C}" presName="parentText" presStyleLbl="node1" presStyleIdx="0" presStyleCnt="4">
         <dgm:presLayoutVars>
           <dgm:chMax val="0"/>
           <dgm:bulletEnabled val="1"/>
@@ -6928,7 +6874,7 @@
       <dgm:spPr/>
     </dgm:pt>
     <dgm:pt modelId="{66349103-2F22-4071-B3DB-A728A4AB40C9}" type="pres">
-      <dgm:prSet presAssocID="{9010DA5B-B11C-45E3-889F-C5A1DBDAC4F4}" presName="parentText" presStyleLbl="node1" presStyleIdx="1" presStyleCnt="5">
+      <dgm:prSet presAssocID="{9010DA5B-B11C-45E3-889F-C5A1DBDAC4F4}" presName="parentText" presStyleLbl="node1" presStyleIdx="1" presStyleCnt="4">
         <dgm:presLayoutVars>
           <dgm:chMax val="0"/>
           <dgm:bulletEnabled val="1"/>
@@ -6948,7 +6894,7 @@
       <dgm:spPr/>
     </dgm:pt>
     <dgm:pt modelId="{45BA92F0-EA2D-4945-B781-A853A3FB9EE9}" type="pres">
-      <dgm:prSet presAssocID="{D8D6C5AC-1DA5-4C06-A0CC-1AEBFB08A5B3}" presName="parentText" presStyleLbl="node1" presStyleIdx="2" presStyleCnt="5" custLinFactNeighborX="-935" custLinFactNeighborY="-27242">
+      <dgm:prSet presAssocID="{D8D6C5AC-1DA5-4C06-A0CC-1AEBFB08A5B3}" presName="parentText" presStyleLbl="node1" presStyleIdx="2" presStyleCnt="4" custLinFactNeighborX="-935" custLinFactNeighborY="-27242">
         <dgm:presLayoutVars>
           <dgm:chMax val="0"/>
           <dgm:bulletEnabled val="1"/>
@@ -6967,28 +6913,8 @@
       <dgm:prSet presAssocID="{9E506C1C-094B-4EAE-9E12-0458F0F77398}" presName="spacer" presStyleCnt="0"/>
       <dgm:spPr/>
     </dgm:pt>
-    <dgm:pt modelId="{CD816F83-39DD-4D50-84CD-98BC7E7C121D}" type="pres">
-      <dgm:prSet presAssocID="{D6C12E4A-47FA-4F1B-B10B-B39C3EEFF521}" presName="parentText" presStyleLbl="node1" presStyleIdx="3" presStyleCnt="5">
-        <dgm:presLayoutVars>
-          <dgm:chMax val="0"/>
-          <dgm:bulletEnabled val="1"/>
-        </dgm:presLayoutVars>
-      </dgm:prSet>
-      <dgm:spPr/>
-      <dgm:t>
-        <a:bodyPr/>
-        <a:lstStyle/>
-        <a:p>
-          <a:endParaRPr lang="en-US"/>
-        </a:p>
-      </dgm:t>
-    </dgm:pt>
-    <dgm:pt modelId="{159BAEE9-94D8-4965-80EA-BE4C5449D004}" type="pres">
-      <dgm:prSet presAssocID="{826D49C1-C21D-4F82-BAEB-7AC7E67F1565}" presName="spacer" presStyleCnt="0"/>
-      <dgm:spPr/>
-    </dgm:pt>
     <dgm:pt modelId="{A66C3A09-93F5-4477-84CB-BDC375BC71D6}" type="pres">
-      <dgm:prSet presAssocID="{89CA5D9F-085B-4DF4-916B-FB18279439FD}" presName="parentText" presStyleLbl="node1" presStyleIdx="4" presStyleCnt="5">
+      <dgm:prSet presAssocID="{89CA5D9F-085B-4DF4-916B-FB18279439FD}" presName="parentText" presStyleLbl="node1" presStyleIdx="3" presStyleCnt="4">
         <dgm:presLayoutVars>
           <dgm:chMax val="0"/>
           <dgm:bulletEnabled val="1"/>
@@ -7005,9 +6931,7 @@
     </dgm:pt>
   </dgm:ptLst>
   <dgm:cxnLst>
-    <dgm:cxn modelId="{5B293640-A9DB-471C-8513-73DAFA0C8FD8}" srcId="{FC274816-65BD-47A2-A25B-8697937B2AD7}" destId="{D6C12E4A-47FA-4F1B-B10B-B39C3EEFF521}" srcOrd="3" destOrd="0" parTransId="{DE447A7F-E69F-40D4-9385-E4E243A59CA4}" sibTransId="{826D49C1-C21D-4F82-BAEB-7AC7E67F1565}"/>
     <dgm:cxn modelId="{8674B92F-A3E5-4325-9341-7913BA80A091}" srcId="{FC274816-65BD-47A2-A25B-8697937B2AD7}" destId="{1A382FDD-5598-4CEC-A749-22FA1AF3421C}" srcOrd="0" destOrd="0" parTransId="{9726F4E8-1456-487A-8A04-2A6F21C6EF8F}" sibTransId="{B82CCB52-66C5-4796-B298-3B217F3D7E8B}"/>
-    <dgm:cxn modelId="{0E23706B-CC69-406C-AE48-A8897DF025B9}" type="presOf" srcId="{D6C12E4A-47FA-4F1B-B10B-B39C3EEFF521}" destId="{CD816F83-39DD-4D50-84CD-98BC7E7C121D}" srcOrd="0" destOrd="0" presId="urn:microsoft.com/office/officeart/2005/8/layout/vList2"/>
     <dgm:cxn modelId="{6EBE74A2-EE5D-4A2E-A667-8460D4F3F2C3}" type="presOf" srcId="{89CA5D9F-085B-4DF4-916B-FB18279439FD}" destId="{A66C3A09-93F5-4477-84CB-BDC375BC71D6}" srcOrd="0" destOrd="0" presId="urn:microsoft.com/office/officeart/2005/8/layout/vList2"/>
     <dgm:cxn modelId="{074FCEAA-A671-49E9-ACF5-A9EFF9F961C7}" type="presOf" srcId="{1A382FDD-5598-4CEC-A749-22FA1AF3421C}" destId="{7C28A8C2-4274-43FF-B9CC-A39D52C7BA6F}" srcOrd="0" destOrd="0" presId="urn:microsoft.com/office/officeart/2005/8/layout/vList2"/>
     <dgm:cxn modelId="{636F3758-5727-481E-BEEF-5110BA590588}" srcId="{FC274816-65BD-47A2-A25B-8697937B2AD7}" destId="{9010DA5B-B11C-45E3-889F-C5A1DBDAC4F4}" srcOrd="1" destOrd="0" parTransId="{74D40FA4-5033-4060-A212-200128E3A73A}" sibTransId="{9A5460FC-407D-4A48-A8F6-89F205B1164A}"/>
@@ -7015,16 +6939,14 @@
     <dgm:cxn modelId="{3366AB20-D5C7-47BD-8B84-A73C20DF1797}" type="presOf" srcId="{D8D6C5AC-1DA5-4C06-A0CC-1AEBFB08A5B3}" destId="{45BA92F0-EA2D-4945-B781-A853A3FB9EE9}" srcOrd="0" destOrd="0" presId="urn:microsoft.com/office/officeart/2005/8/layout/vList2"/>
     <dgm:cxn modelId="{CBB10021-E0D2-4D30-8DCD-F6DF3DD47034}" srcId="{FC274816-65BD-47A2-A25B-8697937B2AD7}" destId="{D8D6C5AC-1DA5-4C06-A0CC-1AEBFB08A5B3}" srcOrd="2" destOrd="0" parTransId="{BD33E236-8010-44B6-BFCE-1FDCD0250CA1}" sibTransId="{9E506C1C-094B-4EAE-9E12-0458F0F77398}"/>
     <dgm:cxn modelId="{B37BEEF0-E342-471A-8604-701963791D57}" type="presOf" srcId="{FC274816-65BD-47A2-A25B-8697937B2AD7}" destId="{B749F905-B0BC-4DF5-AF4D-C984BCDB719C}" srcOrd="0" destOrd="0" presId="urn:microsoft.com/office/officeart/2005/8/layout/vList2"/>
-    <dgm:cxn modelId="{8536B2F3-8041-4678-AD72-59C86E12A82B}" srcId="{FC274816-65BD-47A2-A25B-8697937B2AD7}" destId="{89CA5D9F-085B-4DF4-916B-FB18279439FD}" srcOrd="4" destOrd="0" parTransId="{A7C670F3-7014-4A92-A7F7-A84518673A67}" sibTransId="{24DA555E-7075-423C-AC58-9B2E048DC06B}"/>
+    <dgm:cxn modelId="{8536B2F3-8041-4678-AD72-59C86E12A82B}" srcId="{FC274816-65BD-47A2-A25B-8697937B2AD7}" destId="{89CA5D9F-085B-4DF4-916B-FB18279439FD}" srcOrd="3" destOrd="0" parTransId="{A7C670F3-7014-4A92-A7F7-A84518673A67}" sibTransId="{24DA555E-7075-423C-AC58-9B2E048DC06B}"/>
     <dgm:cxn modelId="{7E17FD60-3346-4C01-A761-2EE93088F489}" type="presParOf" srcId="{B749F905-B0BC-4DF5-AF4D-C984BCDB719C}" destId="{7C28A8C2-4274-43FF-B9CC-A39D52C7BA6F}" srcOrd="0" destOrd="0" presId="urn:microsoft.com/office/officeart/2005/8/layout/vList2"/>
     <dgm:cxn modelId="{1291677B-C19E-40DD-B64F-74A4773AE200}" type="presParOf" srcId="{B749F905-B0BC-4DF5-AF4D-C984BCDB719C}" destId="{0F4EEC4D-422E-4016-970B-92AD45CC1710}" srcOrd="1" destOrd="0" presId="urn:microsoft.com/office/officeart/2005/8/layout/vList2"/>
     <dgm:cxn modelId="{E43CC463-483E-4DDA-9813-3A75DE6126AF}" type="presParOf" srcId="{B749F905-B0BC-4DF5-AF4D-C984BCDB719C}" destId="{66349103-2F22-4071-B3DB-A728A4AB40C9}" srcOrd="2" destOrd="0" presId="urn:microsoft.com/office/officeart/2005/8/layout/vList2"/>
     <dgm:cxn modelId="{0BF018B9-F023-49C7-ADB8-F7B15EFB3856}" type="presParOf" srcId="{B749F905-B0BC-4DF5-AF4D-C984BCDB719C}" destId="{D3F7DA2F-8D53-4F2A-8B75-AB59503BED60}" srcOrd="3" destOrd="0" presId="urn:microsoft.com/office/officeart/2005/8/layout/vList2"/>
     <dgm:cxn modelId="{B6601084-9EF6-4C61-9EB6-DEC9045EC314}" type="presParOf" srcId="{B749F905-B0BC-4DF5-AF4D-C984BCDB719C}" destId="{45BA92F0-EA2D-4945-B781-A853A3FB9EE9}" srcOrd="4" destOrd="0" presId="urn:microsoft.com/office/officeart/2005/8/layout/vList2"/>
     <dgm:cxn modelId="{F06E0AE6-54A0-4948-926B-E270E46A978D}" type="presParOf" srcId="{B749F905-B0BC-4DF5-AF4D-C984BCDB719C}" destId="{99407417-0A9B-48EA-8FAD-06B489C73C7F}" srcOrd="5" destOrd="0" presId="urn:microsoft.com/office/officeart/2005/8/layout/vList2"/>
-    <dgm:cxn modelId="{3CF66CAD-6F14-423E-B48E-4D93FC8F360C}" type="presParOf" srcId="{B749F905-B0BC-4DF5-AF4D-C984BCDB719C}" destId="{CD816F83-39DD-4D50-84CD-98BC7E7C121D}" srcOrd="6" destOrd="0" presId="urn:microsoft.com/office/officeart/2005/8/layout/vList2"/>
-    <dgm:cxn modelId="{1FF4FC3E-D393-406F-91A3-64AD485AE4C4}" type="presParOf" srcId="{B749F905-B0BC-4DF5-AF4D-C984BCDB719C}" destId="{159BAEE9-94D8-4965-80EA-BE4C5449D004}" srcOrd="7" destOrd="0" presId="urn:microsoft.com/office/officeart/2005/8/layout/vList2"/>
-    <dgm:cxn modelId="{E08E4CA9-79E1-40DD-AE12-88B38661592C}" type="presParOf" srcId="{B749F905-B0BC-4DF5-AF4D-C984BCDB719C}" destId="{A66C3A09-93F5-4477-84CB-BDC375BC71D6}" srcOrd="8" destOrd="0" presId="urn:microsoft.com/office/officeart/2005/8/layout/vList2"/>
+    <dgm:cxn modelId="{E08E4CA9-79E1-40DD-AE12-88B38661592C}" type="presParOf" srcId="{B749F905-B0BC-4DF5-AF4D-C984BCDB719C}" destId="{A66C3A09-93F5-4477-84CB-BDC375BC71D6}" srcOrd="6" destOrd="0" presId="urn:microsoft.com/office/officeart/2005/8/layout/vList2"/>
   </dgm:cxnLst>
   <dgm:bg/>
   <dgm:whole/>
@@ -8457,11 +8379,7 @@
           </a:pPr>
           <a:r>
             <a:rPr lang="en-US" sz="2200" kern="1200" dirty="0" smtClean="0"/>
-            <a:t>Allows creating composite web pages – Web </a:t>
-          </a:r>
-          <a:r>
-            <a:rPr lang="en-US" sz="2200" kern="1200" dirty="0" smtClean="0"/>
-            <a:t>Components</a:t>
+            <a:t>Allows creating composite web pages – Web Components</a:t>
           </a:r>
           <a:endParaRPr lang="en-US" sz="2200" kern="1200" dirty="0"/>
         </a:p>
@@ -8736,8 +8654,8 @@
       </dsp:nvSpPr>
       <dsp:spPr>
         <a:xfrm>
-          <a:off x="0" y="98576"/>
-          <a:ext cx="11454714" cy="730079"/>
+          <a:off x="0" y="8756"/>
+          <a:ext cx="11454714" cy="958229"/>
         </a:xfrm>
         <a:prstGeom prst="roundRect">
           <a:avLst/>
@@ -8779,12 +8697,12 @@
         </a:fontRef>
       </dsp:style>
       <dsp:txBody>
-        <a:bodyPr spcFirstLastPara="0" vert="horz" wrap="square" lIns="60960" tIns="60960" rIns="60960" bIns="60960" numCol="1" spcCol="1270" anchor="ctr" anchorCtr="0">
+        <a:bodyPr spcFirstLastPara="0" vert="horz" wrap="square" lIns="80010" tIns="80010" rIns="80010" bIns="80010" numCol="1" spcCol="1270" anchor="ctr" anchorCtr="0">
           <a:noAutofit/>
         </a:bodyPr>
         <a:lstStyle/>
         <a:p>
-          <a:pPr lvl="0" algn="l" defTabSz="711200" rtl="0">
+          <a:pPr lvl="0" algn="l" defTabSz="933450" rtl="0">
             <a:lnSpc>
               <a:spcPct val="90000"/>
             </a:lnSpc>
@@ -8796,12 +8714,12 @@
             </a:spcAft>
           </a:pPr>
           <a:r>
-            <a:rPr lang="en-HK" sz="1600" kern="1200" dirty="0" smtClean="0"/>
+            <a:rPr lang="en-HK" sz="2100" kern="1200" dirty="0" smtClean="0"/>
             <a:t>Open Command Prompt and cd to folder where you want to keep your code:</a:t>
           </a:r>
         </a:p>
         <a:p>
-          <a:pPr lvl="0" algn="l" defTabSz="711200" rtl="0">
+          <a:pPr lvl="0" algn="l" defTabSz="933450" rtl="0">
             <a:lnSpc>
               <a:spcPct val="90000"/>
             </a:lnSpc>
@@ -8813,19 +8731,19 @@
             </a:spcAft>
           </a:pPr>
           <a:r>
-            <a:rPr lang="en-HK" sz="1600" kern="1200" dirty="0" smtClean="0"/>
+            <a:rPr lang="en-HK" sz="2100" kern="1200" dirty="0" smtClean="0"/>
             <a:t> </a:t>
           </a:r>
           <a:r>
-            <a:rPr lang="en-US" sz="1600" kern="1200" dirty="0" smtClean="0"/>
+            <a:rPr lang="en-US" sz="2100" kern="1200" dirty="0" smtClean="0"/>
             <a:t>cd D:\Projects\JavaReact</a:t>
           </a:r>
-          <a:endParaRPr lang="en-US" sz="1600" kern="1200" dirty="0"/>
+          <a:endParaRPr lang="en-US" sz="2100" kern="1200" dirty="0"/>
         </a:p>
       </dsp:txBody>
       <dsp:txXfrm>
-        <a:off x="35640" y="134216"/>
-        <a:ext cx="11383434" cy="658799"/>
+        <a:off x="46777" y="55533"/>
+        <a:ext cx="11361160" cy="864675"/>
       </dsp:txXfrm>
     </dsp:sp>
     <dsp:sp modelId="{66349103-2F22-4071-B3DB-A728A4AB40C9}">
@@ -8835,8 +8753,8 @@
       </dsp:nvSpPr>
       <dsp:spPr>
         <a:xfrm>
-          <a:off x="0" y="874736"/>
-          <a:ext cx="11454714" cy="730079"/>
+          <a:off x="0" y="1027466"/>
+          <a:ext cx="11454714" cy="958229"/>
         </a:xfrm>
         <a:prstGeom prst="roundRect">
           <a:avLst/>
@@ -8878,12 +8796,12 @@
         </a:fontRef>
       </dsp:style>
       <dsp:txBody>
-        <a:bodyPr spcFirstLastPara="0" vert="horz" wrap="square" lIns="60960" tIns="60960" rIns="60960" bIns="60960" numCol="1" spcCol="1270" anchor="ctr" anchorCtr="0">
+        <a:bodyPr spcFirstLastPara="0" vert="horz" wrap="square" lIns="80010" tIns="80010" rIns="80010" bIns="80010" numCol="1" spcCol="1270" anchor="ctr" anchorCtr="0">
           <a:noAutofit/>
         </a:bodyPr>
         <a:lstStyle/>
         <a:p>
-          <a:pPr lvl="0" algn="l" defTabSz="711200" rtl="0">
+          <a:pPr lvl="0" algn="l" defTabSz="933450" rtl="0">
             <a:lnSpc>
               <a:spcPct val="90000"/>
             </a:lnSpc>
@@ -8895,12 +8813,12 @@
             </a:spcAft>
           </a:pPr>
           <a:r>
-            <a:rPr lang="en-US" sz="1600" kern="1200" dirty="0" smtClean="0"/>
+            <a:rPr lang="en-US" sz="2100" kern="1200" dirty="0" smtClean="0"/>
             <a:t>Run command : npx create-react-app my-first-react</a:t>
           </a:r>
         </a:p>
         <a:p>
-          <a:pPr lvl="0" algn="l" defTabSz="711200" rtl="0">
+          <a:pPr lvl="0" algn="l" defTabSz="933450" rtl="0">
             <a:lnSpc>
               <a:spcPct val="90000"/>
             </a:lnSpc>
@@ -8912,27 +8830,15 @@
             </a:spcAft>
           </a:pPr>
           <a:r>
-            <a:rPr lang="en-US" sz="1600" kern="1200" dirty="0" smtClean="0"/>
-            <a:t>And verify D</a:t>
+            <a:rPr lang="en-US" sz="2100" kern="1200" dirty="0" smtClean="0"/>
+            <a:t>And verify D:\Projects\JavaReact\my-first-react is created.</a:t>
           </a:r>
-          <a:r>
-            <a:rPr lang="en-US" sz="1600" kern="1200" dirty="0" smtClean="0"/>
-            <a:t>:\Projects\JavaReact\my-first-react </a:t>
-          </a:r>
-          <a:r>
-            <a:rPr lang="en-US" sz="1600" kern="1200" dirty="0" smtClean="0"/>
-            <a:t>is created</a:t>
-          </a:r>
-          <a:r>
-            <a:rPr lang="en-US" sz="1600" kern="1200" dirty="0" smtClean="0"/>
-            <a:t>.</a:t>
-          </a:r>
-          <a:endParaRPr lang="en-US" sz="1600" kern="1200" dirty="0"/>
+          <a:endParaRPr lang="en-US" sz="2100" kern="1200" dirty="0"/>
         </a:p>
       </dsp:txBody>
       <dsp:txXfrm>
-        <a:off x="35640" y="910376"/>
-        <a:ext cx="11383434" cy="658799"/>
+        <a:off x="46777" y="1074243"/>
+        <a:ext cx="11361160" cy="864675"/>
       </dsp:txXfrm>
     </dsp:sp>
     <dsp:sp modelId="{45BA92F0-EA2D-4945-B781-A853A3FB9EE9}">
@@ -8942,8 +8848,8 @@
       </dsp:nvSpPr>
       <dsp:spPr>
         <a:xfrm>
-          <a:off x="0" y="1638343"/>
-          <a:ext cx="11454714" cy="730079"/>
+          <a:off x="0" y="2029700"/>
+          <a:ext cx="11454714" cy="958229"/>
         </a:xfrm>
         <a:prstGeom prst="roundRect">
           <a:avLst/>
@@ -8985,12 +8891,12 @@
         </a:fontRef>
       </dsp:style>
       <dsp:txBody>
-        <a:bodyPr spcFirstLastPara="0" vert="horz" wrap="square" lIns="60960" tIns="60960" rIns="60960" bIns="60960" numCol="1" spcCol="1270" anchor="ctr" anchorCtr="0">
+        <a:bodyPr spcFirstLastPara="0" vert="horz" wrap="square" lIns="80010" tIns="80010" rIns="80010" bIns="80010" numCol="1" spcCol="1270" anchor="ctr" anchorCtr="0">
           <a:noAutofit/>
         </a:bodyPr>
         <a:lstStyle/>
         <a:p>
-          <a:pPr lvl="0" algn="l" defTabSz="711200" rtl="0">
+          <a:pPr lvl="0" algn="l" defTabSz="933450" rtl="0">
             <a:lnSpc>
               <a:spcPct val="90000"/>
             </a:lnSpc>
@@ -9002,26 +8908,26 @@
             </a:spcAft>
           </a:pPr>
           <a:r>
-            <a:rPr lang="en-US" sz="1600" kern="1200" dirty="0" smtClean="0"/>
+            <a:rPr lang="en-US" sz="2100" kern="1200" dirty="0" smtClean="0"/>
             <a:t>Open Visual Studio Code and Select File &gt;Open (Ctrl+O) and select folder D:\Projects\JavaReact\my-first-react</a:t>
           </a:r>
-          <a:endParaRPr lang="en-US" sz="1600" kern="1200" dirty="0"/>
+          <a:endParaRPr lang="en-US" sz="2100" kern="1200" dirty="0"/>
         </a:p>
       </dsp:txBody>
       <dsp:txXfrm>
-        <a:off x="35640" y="1673983"/>
-        <a:ext cx="11383434" cy="658799"/>
+        <a:off x="46777" y="2076477"/>
+        <a:ext cx="11361160" cy="864675"/>
       </dsp:txXfrm>
     </dsp:sp>
-    <dsp:sp modelId="{CD816F83-39DD-4D50-84CD-98BC7E7C121D}">
+    <dsp:sp modelId="{A66C3A09-93F5-4477-84CB-BDC375BC71D6}">
       <dsp:nvSpPr>
         <dsp:cNvPr id="0" name=""/>
         <dsp:cNvSpPr/>
       </dsp:nvSpPr>
       <dsp:spPr>
         <a:xfrm>
-          <a:off x="0" y="2427056"/>
-          <a:ext cx="11454714" cy="730079"/>
+          <a:off x="0" y="3064886"/>
+          <a:ext cx="11454714" cy="958229"/>
         </a:xfrm>
         <a:prstGeom prst="roundRect">
           <a:avLst/>
@@ -9063,12 +8969,12 @@
         </a:fontRef>
       </dsp:style>
       <dsp:txBody>
-        <a:bodyPr spcFirstLastPara="0" vert="horz" wrap="square" lIns="60960" tIns="60960" rIns="60960" bIns="60960" numCol="1" spcCol="1270" anchor="ctr" anchorCtr="0">
+        <a:bodyPr spcFirstLastPara="0" vert="horz" wrap="square" lIns="80010" tIns="80010" rIns="80010" bIns="80010" numCol="1" spcCol="1270" anchor="ctr" anchorCtr="0">
           <a:noAutofit/>
         </a:bodyPr>
         <a:lstStyle/>
         <a:p>
-          <a:pPr lvl="0" algn="l" defTabSz="711200" rtl="0">
+          <a:pPr lvl="0" algn="l" defTabSz="933450" rtl="0">
             <a:lnSpc>
               <a:spcPct val="90000"/>
             </a:lnSpc>
@@ -9080,93 +8986,15 @@
             </a:spcAft>
           </a:pPr>
           <a:r>
-            <a:rPr lang="en-US" sz="1600" kern="1200" dirty="0" smtClean="0"/>
-            <a:t>Open source, mainly maintained by Facebook – Large community contributing to React Component </a:t>
+            <a:rPr lang="en-US" sz="2100" kern="1200" dirty="0" smtClean="0"/>
+            <a:t>Run using command : Try URL mentioned on your screen e.g. - http://localhost:3000/ </a:t>
           </a:r>
-          <a:endParaRPr lang="en-US" sz="1600" kern="1200" dirty="0"/>
+          <a:endParaRPr lang="en-US" sz="2100" kern="1200" dirty="0"/>
         </a:p>
       </dsp:txBody>
       <dsp:txXfrm>
-        <a:off x="35640" y="2462696"/>
-        <a:ext cx="11383434" cy="658799"/>
-      </dsp:txXfrm>
-    </dsp:sp>
-    <dsp:sp modelId="{A66C3A09-93F5-4477-84CB-BDC375BC71D6}">
-      <dsp:nvSpPr>
-        <dsp:cNvPr id="0" name=""/>
-        <dsp:cNvSpPr/>
-      </dsp:nvSpPr>
-      <dsp:spPr>
-        <a:xfrm>
-          <a:off x="0" y="3203216"/>
-          <a:ext cx="11454714" cy="730079"/>
-        </a:xfrm>
-        <a:prstGeom prst="roundRect">
-          <a:avLst/>
-        </a:prstGeom>
-        <a:solidFill>
-          <a:schemeClr val="accent1">
-            <a:hueOff val="0"/>
-            <a:satOff val="0"/>
-            <a:lumOff val="0"/>
-            <a:alphaOff val="0"/>
-          </a:schemeClr>
-        </a:solidFill>
-        <a:ln w="12700" cap="flat" cmpd="sng" algn="ctr">
-          <a:solidFill>
-            <a:schemeClr val="lt1">
-              <a:hueOff val="0"/>
-              <a:satOff val="0"/>
-              <a:lumOff val="0"/>
-              <a:alphaOff val="0"/>
-            </a:schemeClr>
-          </a:solidFill>
-          <a:prstDash val="solid"/>
-          <a:miter lim="800000"/>
-        </a:ln>
-        <a:effectLst/>
-      </dsp:spPr>
-      <dsp:style>
-        <a:lnRef idx="2">
-          <a:scrgbClr r="0" g="0" b="0"/>
-        </a:lnRef>
-        <a:fillRef idx="1">
-          <a:scrgbClr r="0" g="0" b="0"/>
-        </a:fillRef>
-        <a:effectRef idx="0">
-          <a:scrgbClr r="0" g="0" b="0"/>
-        </a:effectRef>
-        <a:fontRef idx="minor">
-          <a:schemeClr val="lt1"/>
-        </a:fontRef>
-      </dsp:style>
-      <dsp:txBody>
-        <a:bodyPr spcFirstLastPara="0" vert="horz" wrap="square" lIns="60960" tIns="60960" rIns="60960" bIns="60960" numCol="1" spcCol="1270" anchor="ctr" anchorCtr="0">
-          <a:noAutofit/>
-        </a:bodyPr>
-        <a:lstStyle/>
-        <a:p>
-          <a:pPr lvl="0" algn="l" defTabSz="711200" rtl="0">
-            <a:lnSpc>
-              <a:spcPct val="90000"/>
-            </a:lnSpc>
-            <a:spcBef>
-              <a:spcPct val="0"/>
-            </a:spcBef>
-            <a:spcAft>
-              <a:spcPct val="35000"/>
-            </a:spcAft>
-          </a:pPr>
-          <a:r>
-            <a:rPr lang="en-US" sz="1600" kern="1200" dirty="0" smtClean="0"/>
-            <a:t>Run using command : Try URL mentioned on your screen e.g. - http://localhost:3000/ </a:t>
-          </a:r>
-          <a:endParaRPr lang="en-US" sz="1600" kern="1200" dirty="0"/>
-        </a:p>
-      </dsp:txBody>
-      <dsp:txXfrm>
-        <a:off x="35640" y="3238856"/>
-        <a:ext cx="11383434" cy="658799"/>
+        <a:off x="46777" y="3111663"/>
+        <a:ext cx="11361160" cy="864675"/>
       </dsp:txXfrm>
     </dsp:sp>
   </dsp:spTree>
@@ -20646,6 +20474,13 @@
   <p:clrMapOvr>
     <a:masterClrMapping/>
   </p:clrMapOvr>
+  <p:timing>
+    <p:tnLst>
+      <p:par>
+        <p:cTn id="1" dur="indefinite" restart="never" nodeType="tmRoot"/>
+      </p:par>
+    </p:tnLst>
+  </p:timing>
 </p:sldLayout>
 </file>
 
@@ -30293,7 +30128,7 @@
           <p:nvPr>
             <p:extLst>
               <p:ext uri="{D42A27DB-BD31-4B8C-83A1-F6EECF244321}">
-                <p14:modId xmlns:p14="http://schemas.microsoft.com/office/powerpoint/2010/main" val="4257105631"/>
+                <p14:modId xmlns:p14="http://schemas.microsoft.com/office/powerpoint/2010/main" val="1613703070"/>
               </p:ext>
             </p:extLst>
           </p:nvPr>

--- a/docs/Day 2 - React.pptx
+++ b/docs/Day 2 - React.pptx
@@ -6810,6 +6810,18 @@
           <a:r>
             <a:rPr lang="en-US" dirty="0" smtClean="0"/>
             <a:t>Run using command : Try URL mentioned on your screen e.g. - http://localhost:3000/ </a:t>
+          </a:r>
+          <a:endParaRPr lang="en-US" dirty="0" smtClean="0"/>
+        </a:p>
+        <a:p>
+          <a:pPr rtl="0"/>
+          <a:r>
+            <a:rPr lang="en-US" dirty="0" err="1" smtClean="0"/>
+            <a:t>npm</a:t>
+          </a:r>
+          <a:r>
+            <a:rPr lang="en-US" dirty="0" smtClean="0"/>
+            <a:t> start</a:t>
           </a:r>
           <a:endParaRPr lang="en-US" dirty="0"/>
         </a:p>
@@ -8988,6 +9000,28 @@
           <a:r>
             <a:rPr lang="en-US" sz="2100" kern="1200" dirty="0" smtClean="0"/>
             <a:t>Run using command : Try URL mentioned on your screen e.g. - http://localhost:3000/ </a:t>
+          </a:r>
+          <a:endParaRPr lang="en-US" sz="2100" kern="1200" dirty="0" smtClean="0"/>
+        </a:p>
+        <a:p>
+          <a:pPr lvl="0" algn="l" defTabSz="933450" rtl="0">
+            <a:lnSpc>
+              <a:spcPct val="90000"/>
+            </a:lnSpc>
+            <a:spcBef>
+              <a:spcPct val="0"/>
+            </a:spcBef>
+            <a:spcAft>
+              <a:spcPct val="35000"/>
+            </a:spcAft>
+          </a:pPr>
+          <a:r>
+            <a:rPr lang="en-US" sz="2100" kern="1200" dirty="0" err="1" smtClean="0"/>
+            <a:t>npm</a:t>
+          </a:r>
+          <a:r>
+            <a:rPr lang="en-US" sz="2100" kern="1200" dirty="0" smtClean="0"/>
+            <a:t> start</a:t>
           </a:r>
           <a:endParaRPr lang="en-US" sz="2100" kern="1200" dirty="0"/>
         </a:p>
@@ -30128,7 +30162,7 @@
           <p:nvPr>
             <p:extLst>
               <p:ext uri="{D42A27DB-BD31-4B8C-83A1-F6EECF244321}">
-                <p14:modId xmlns:p14="http://schemas.microsoft.com/office/powerpoint/2010/main" val="1613703070"/>
+                <p14:modId xmlns:p14="http://schemas.microsoft.com/office/powerpoint/2010/main" val="1851050487"/>
               </p:ext>
             </p:extLst>
           </p:nvPr>
